--- a/Files/OBDH.pptx
+++ b/Files/OBDH.pptx
@@ -2677,12 +2677,20 @@
           <a:p>
             <a:pPr algn="l"/>
             <a:r>
+              <a:rPr lang="fr-FR" dirty="0" err="1">
+                <a:solidFill>
+                  <a:schemeClr val="bg1"/>
+                </a:solidFill>
+              </a:rPr>
+              <a:t>Feasibility</a:t>
+            </a:r>
+            <a:r>
               <a:rPr lang="fr-FR" dirty="0">
                 <a:solidFill>
                   <a:schemeClr val="bg1"/>
                 </a:solidFill>
               </a:rPr>
-              <a:t>Phase A </a:t>
+              <a:t> </a:t>
             </a:r>
             <a:r>
               <a:rPr lang="fr-FR" dirty="0" err="1">
@@ -3391,20 +3399,25 @@
             <p:ph type="body" sz="quarter" idx="11"/>
           </p:nvPr>
         </p:nvSpPr>
-        <p:spPr/>
+        <p:spPr>
+          <a:xfrm>
+            <a:off x="9064101" y="4802113"/>
+            <a:ext cx="2883655" cy="1295905"/>
+          </a:xfrm>
+        </p:spPr>
         <p:txBody>
           <a:bodyPr/>
           <a:lstStyle/>
           <a:p>
             <a:r>
               <a:rPr lang="fr-FR" dirty="0"/>
-              <a:t>Niels Boulanger</a:t>
+              <a:t>Niels Boulanger - UPS</a:t>
             </a:r>
           </a:p>
           <a:p>
             <a:r>
               <a:rPr lang="fr-FR" dirty="0"/>
-              <a:t>Luc Bourguignon</a:t>
+              <a:t>Luc Bourguignon - ENSEEIHT</a:t>
             </a:r>
           </a:p>
         </p:txBody>
@@ -3434,6 +3447,53 @@
           </a:p>
         </p:txBody>
       </p:sp>
+      <p:pic>
+        <p:nvPicPr>
+          <p:cNvPr id="1026" name="Picture 2" descr="RÃ©sultat de recherche d'images pour &quot;segfault&quot;">
+            <a:extLst>
+              <a:ext uri="{FF2B5EF4-FFF2-40B4-BE49-F238E27FC236}">
+                <a16:creationId xmlns:a16="http://schemas.microsoft.com/office/drawing/2014/main" id="{242FC6AA-A90C-47C8-91C3-DC83E0805E2B}"/>
+              </a:ext>
+            </a:extLst>
+          </p:cNvPr>
+          <p:cNvPicPr>
+            <a:picLocks noChangeAspect="1" noChangeArrowheads="1"/>
+          </p:cNvPicPr>
+          <p:nvPr/>
+        </p:nvPicPr>
+        <p:blipFill>
+          <a:blip r:embed="rId2">
+            <a:extLst>
+              <a:ext uri="{28A0092B-C50C-407E-A947-70E740481C1C}">
+                <a14:useLocalDpi xmlns:a14="http://schemas.microsoft.com/office/drawing/2010/main" val="0"/>
+              </a:ext>
+            </a:extLst>
+          </a:blip>
+          <a:srcRect/>
+          <a:stretch>
+            <a:fillRect/>
+          </a:stretch>
+        </p:blipFill>
+        <p:spPr bwMode="auto">
+          <a:xfrm>
+            <a:off x="3661020" y="1087594"/>
+            <a:ext cx="3968373" cy="2628838"/>
+          </a:xfrm>
+          <a:prstGeom prst="rect">
+            <a:avLst/>
+          </a:prstGeom>
+          <a:noFill/>
+          <a:extLst>
+            <a:ext uri="{909E8E84-426E-40DD-AFC4-6F175D3DCCD1}">
+              <a14:hiddenFill xmlns:a14="http://schemas.microsoft.com/office/drawing/2010/main">
+                <a:solidFill>
+                  <a:srgbClr val="FFFFFF"/>
+                </a:solidFill>
+              </a14:hiddenFill>
+            </a:ext>
+          </a:extLst>
+        </p:spPr>
+      </p:pic>
     </p:spTree>
     <p:extLst>
       <p:ext uri="{BB962C8B-B14F-4D97-AF65-F5344CB8AC3E}">
@@ -3500,6 +3560,10 @@
           </p:nvPr>
         </p:nvSpPr>
         <p:spPr>
+          <a:xfrm>
+            <a:off x="187728" y="1487904"/>
+            <a:ext cx="9144000" cy="2977564"/>
+          </a:xfrm>
           <a:prstGeom prst="rect">
             <a:avLst/>
           </a:prstGeom>
@@ -3510,37 +3574,54 @@
           <a:p>
             <a:pPr algn="l"/>
             <a:r>
+              <a:rPr dirty="0"/>
               <a:t>- Selected a few OBC and analyzed them</a:t>
             </a:r>
           </a:p>
           <a:p>
             <a:pPr algn="l"/>
             <a:r>
+              <a:rPr dirty="0"/>
               <a:t>- Created a first simulation about the different modes</a:t>
             </a:r>
           </a:p>
           <a:p>
             <a:pPr algn="l"/>
             <a:r>
+              <a:rPr dirty="0"/>
               <a:t>- Data budgets, link budgets</a:t>
             </a:r>
           </a:p>
           <a:p>
             <a:pPr algn="l"/>
             <a:r>
+              <a:rPr dirty="0"/>
               <a:t>- Thought about compression algorithms and scripts</a:t>
             </a:r>
           </a:p>
           <a:p>
             <a:pPr algn="l"/>
             <a:r>
+              <a:rPr dirty="0"/>
               <a:t>- Studied our test board</a:t>
             </a:r>
           </a:p>
           <a:p>
             <a:pPr algn="l"/>
             <a:r>
-              <a:t>- Folders names agreement (how to store datas)</a:t>
+              <a:rPr dirty="0"/>
+              <a:t>- Folder</a:t>
+            </a:r>
+            <a:r>
+              <a:rPr lang="fr-FR"/>
+              <a:t> </a:t>
+            </a:r>
+            <a:r>
+              <a:t>names </a:t>
+            </a:r>
+            <a:r>
+              <a:rPr dirty="0"/>
+              <a:t>agreement (how to store data)</a:t>
             </a:r>
           </a:p>
         </p:txBody>
@@ -3733,6 +3814,7 @@
           <a:lstStyle/>
           <a:p>
             <a:r>
+              <a:rPr dirty="0"/>
               <a:t>What we did : OBC Analysis</a:t>
             </a:r>
           </a:p>
@@ -3749,6 +3831,10 @@
           </p:nvPr>
         </p:nvSpPr>
         <p:spPr>
+          <a:xfrm>
+            <a:off x="187728" y="1487904"/>
+            <a:ext cx="9144000" cy="2533680"/>
+          </a:xfrm>
           <a:prstGeom prst="rect">
             <a:avLst/>
           </a:prstGeom>
@@ -3759,37 +3845,45 @@
           <a:p>
             <a:pPr algn="l"/>
             <a:r>
+              <a:rPr dirty="0"/>
               <a:t>- Lots of different choices and sellers</a:t>
             </a:r>
           </a:p>
           <a:p>
             <a:pPr algn="l"/>
             <a:r>
-              <a:t>- We waited for CSUT’s test board in order to not require an OBC that differs from our board’s characteristics</a:t>
+              <a:rPr dirty="0"/>
+              <a:t>- Finally selected the </a:t>
+            </a:r>
+            <a:r>
+              <a:rPr dirty="0" err="1"/>
+              <a:t>EnduroSat</a:t>
+            </a:r>
+            <a:r>
+              <a:rPr dirty="0"/>
+              <a:t> OBC as main board</a:t>
             </a:r>
           </a:p>
           <a:p>
             <a:pPr algn="l"/>
             <a:r>
-              <a:t>- Finally selected the EnduroSat OBC as main board</a:t>
+              <a:rPr dirty="0"/>
+              <a:t>for next Phase calculations and simulations</a:t>
             </a:r>
           </a:p>
           <a:p>
             <a:pPr algn="l"/>
             <a:r>
-              <a:t>for next Phase calculations and simulations</a:t>
-            </a:r>
-          </a:p>
-          <a:p>
-            <a:pPr algn="l"/>
-            <a:r>
-              <a:t>- Also tried KubOS (without success)</a:t>
-            </a:r>
-          </a:p>
-          <a:p>
-            <a:pPr algn="l"/>
-            <a:r>
-              <a:t>- Had no time to work on our Test board</a:t>
+              <a:rPr dirty="0"/>
+              <a:t>- Also tried </a:t>
+            </a:r>
+            <a:r>
+              <a:rPr dirty="0" err="1"/>
+              <a:t>KubOS</a:t>
+            </a:r>
+            <a:r>
+              <a:rPr dirty="0"/>
+              <a:t> (without success)</a:t>
             </a:r>
           </a:p>
         </p:txBody>
@@ -4037,25 +4131,49 @@
           <a:p>
             <a:pPr algn="l"/>
             <a:r>
-              <a:t>- Represents the difference modes the CubeSat will use</a:t>
+              <a:rPr dirty="0"/>
+              <a:t>- Represents the </a:t>
+            </a:r>
+            <a:r>
+              <a:rPr dirty="0" err="1"/>
+              <a:t>differen</a:t>
+            </a:r>
+            <a:r>
+              <a:rPr lang="fr-FR" dirty="0"/>
+              <a:t>t</a:t>
+            </a:r>
+            <a:r>
+              <a:rPr dirty="0"/>
+              <a:t> modes the CubeSat will use</a:t>
             </a:r>
           </a:p>
           <a:p>
             <a:pPr algn="l"/>
             <a:r>
+              <a:rPr dirty="0"/>
               <a:t>- Simple algorithms</a:t>
             </a:r>
           </a:p>
           <a:p>
             <a:pPr algn="l"/>
             <a:r>
-              <a:t>- Will be filled with real datas during Phase B</a:t>
+              <a:rPr dirty="0"/>
+              <a:t>- Will be filled with real data during Phase B</a:t>
             </a:r>
           </a:p>
           <a:p>
             <a:pPr algn="l"/>
             <a:r>
-              <a:t>- Need to be simplified</a:t>
+              <a:rPr dirty="0"/>
+              <a:t>- Need</a:t>
+            </a:r>
+            <a:r>
+              <a:rPr lang="fr-FR" dirty="0"/>
+              <a:t>s</a:t>
+            </a:r>
+            <a:r>
+              <a:rPr dirty="0"/>
+              <a:t> to be simplified</a:t>
             </a:r>
           </a:p>
         </p:txBody>
@@ -4265,6 +4383,10 @@
           </p:nvPr>
         </p:nvSpPr>
         <p:spPr>
+          <a:xfrm>
+            <a:off x="187728" y="1487903"/>
+            <a:ext cx="9144000" cy="3820943"/>
+          </a:xfrm>
           <a:prstGeom prst="rect">
             <a:avLst/>
           </a:prstGeom>
@@ -4276,7 +4398,15 @@
             <a:pPr algn="l"/>
             <a:r>
               <a:rPr dirty="0"/>
-              <a:t>- Talked with Sub</a:t>
+              <a:t>- Talked with </a:t>
+            </a:r>
+            <a:r>
+              <a:rPr lang="fr-FR" dirty="0"/>
+              <a:t>s</a:t>
+            </a:r>
+            <a:r>
+              <a:rPr dirty="0" err="1"/>
+              <a:t>ub</a:t>
             </a:r>
             <a:r>
               <a:rPr lang="fr-FR" dirty="0"/>
@@ -4832,32 +4962,63 @@
           <a:p>
             <a:pPr algn="l"/>
             <a:r>
-              <a:t>- Because of the timing and the work to do : no time to do anything, except reading tutorials and manuals.</a:t>
+              <a:rPr lang="fr-FR" dirty="0"/>
+              <a:t>- </a:t>
+            </a:r>
+            <a:r>
+              <a:rPr lang="fr-FR" dirty="0" err="1"/>
+              <a:t>Started</a:t>
+            </a:r>
+            <a:r>
+              <a:rPr lang="fr-FR" dirty="0"/>
+              <a:t> </a:t>
+            </a:r>
+            <a:r>
+              <a:rPr dirty="0"/>
+              <a:t>reading tutorials and manuals.</a:t>
             </a:r>
           </a:p>
           <a:p>
             <a:pPr algn="l"/>
-            <a:endParaRPr/>
+            <a:endParaRPr dirty="0"/>
           </a:p>
           <a:p>
             <a:pPr algn="l"/>
             <a:r>
-              <a:t>- Will work later on the Xilinx Zynq TestBoard : scripts, hardware links, internal Operating System…</a:t>
+              <a:rPr dirty="0"/>
+              <a:t>- Will work later on the Xilinx Zynq </a:t>
+            </a:r>
+            <a:r>
+              <a:rPr dirty="0" err="1"/>
+              <a:t>TestBoard</a:t>
+            </a:r>
+            <a:r>
+              <a:rPr dirty="0"/>
+              <a:t> : scripts, hardware links, internal Operating System…</a:t>
             </a:r>
           </a:p>
           <a:p>
             <a:pPr algn="l"/>
-            <a:endParaRPr/>
+            <a:endParaRPr dirty="0"/>
           </a:p>
           <a:p>
             <a:pPr algn="l"/>
             <a:r>
-              <a:t>- Our goal : a working FlatSat during Phase B</a:t>
+              <a:rPr dirty="0"/>
+              <a:t>- Our goal : a working </a:t>
+            </a:r>
+            <a:r>
+              <a:rPr dirty="0" err="1"/>
+              <a:t>FlatSat</a:t>
+            </a:r>
+            <a:r>
+              <a:rPr dirty="0"/>
+              <a:t> during Phase B</a:t>
             </a:r>
           </a:p>
           <a:p>
             <a:pPr algn="l"/>
-            <a:endParaRPr/>
+            <a:endParaRPr dirty="0"/>
           </a:p>
         </p:txBody>
       </p:sp>
@@ -5020,6 +5181,7 @@
           <a:lstStyle/>
           <a:p>
             <a:r>
+              <a:rPr dirty="0"/>
               <a:t>What we did : Naming agreement</a:t>
             </a:r>
           </a:p>
@@ -5036,6 +5198,10 @@
           </p:nvPr>
         </p:nvSpPr>
         <p:spPr>
+          <a:xfrm>
+            <a:off x="187728" y="1487904"/>
+            <a:ext cx="9144000" cy="4370288"/>
+          </a:xfrm>
           <a:prstGeom prst="rect">
             <a:avLst/>
           </a:prstGeom>
@@ -5051,6 +5217,7 @@
               <a:defRPr sz="2256"/>
             </a:pPr>
             <a:r>
+              <a:rPr dirty="0"/>
               <a:t>- Looks useless but help working with the same ideas</a:t>
             </a:r>
           </a:p>
@@ -5062,6 +5229,7 @@
               <a:defRPr sz="2256"/>
             </a:pPr>
             <a:r>
+              <a:rPr dirty="0"/>
               <a:t>- Reduces bug risks</a:t>
             </a:r>
           </a:p>
@@ -5073,6 +5241,7 @@
               <a:defRPr sz="2256"/>
             </a:pPr>
             <a:r>
+              <a:rPr dirty="0"/>
               <a:t>- Helps with understanding of access and storage</a:t>
             </a:r>
           </a:p>
@@ -5083,7 +5252,7 @@
               </a:spcBef>
               <a:defRPr sz="2256"/>
             </a:pPr>
-            <a:endParaRPr/>
+            <a:endParaRPr dirty="0"/>
           </a:p>
           <a:p>
             <a:pPr algn="l" defTabSz="859536">
@@ -5093,7 +5262,28 @@
               <a:defRPr sz="2256"/>
             </a:pPr>
             <a:r>
-              <a:t>- Each SubSystems has its own folder, and datas are</a:t>
+              <a:rPr dirty="0"/>
+              <a:t>- Each </a:t>
+            </a:r>
+            <a:r>
+              <a:rPr lang="fr-FR" dirty="0" err="1"/>
+              <a:t>subs</a:t>
+            </a:r>
+            <a:r>
+              <a:rPr dirty="0" err="1"/>
+              <a:t>ystem</a:t>
+            </a:r>
+            <a:r>
+              <a:rPr dirty="0"/>
+              <a:t> has its own folder, and data</a:t>
+            </a:r>
+            <a:r>
+              <a:rPr lang="fr-FR" dirty="0"/>
+              <a:t> </a:t>
+            </a:r>
+            <a:r>
+              <a:rPr dirty="0"/>
+              <a:t>are</a:t>
             </a:r>
           </a:p>
           <a:p>
@@ -5104,6 +5294,7 @@
               <a:defRPr sz="2256"/>
             </a:pPr>
             <a:r>
+              <a:rPr dirty="0"/>
               <a:t>stored depending on their requirements :</a:t>
             </a:r>
           </a:p>
@@ -5115,6 +5306,7 @@
               <a:defRPr sz="2256"/>
             </a:pPr>
             <a:r>
+              <a:rPr dirty="0"/>
               <a:t>post-process or simple transmission</a:t>
             </a:r>
           </a:p>
@@ -5125,7 +5317,7 @@
               </a:spcBef>
               <a:defRPr sz="2256"/>
             </a:pPr>
-            <a:endParaRPr/>
+            <a:endParaRPr dirty="0"/>
           </a:p>
           <a:p>
             <a:pPr algn="l" defTabSz="859536">
@@ -5135,6 +5327,7 @@
               <a:defRPr sz="2256"/>
             </a:pPr>
             <a:r>
+              <a:rPr dirty="0"/>
               <a:t>- We will add a « save » folder in case of script </a:t>
             </a:r>
           </a:p>
@@ -5146,6 +5339,7 @@
               <a:defRPr sz="2256"/>
             </a:pPr>
             <a:r>
+              <a:rPr dirty="0"/>
               <a:t>transmission</a:t>
             </a:r>
           </a:p>
@@ -5309,12 +5503,22 @@
           <a:bodyPr/>
           <a:lstStyle/>
           <a:p>
-            <a:pPr lvl="1" defTabSz="841247">
+            <a:pPr lvl="1" algn="ctr" defTabSz="841247">
               <a:defRPr sz="4048"/>
             </a:pPr>
             <a:r>
-              <a:t>OnBoard Data Handling / OnBoard Computer</a:t>
-            </a:r>
+              <a:rPr dirty="0" err="1"/>
+              <a:t>OnBoard</a:t>
+            </a:r>
+            <a:r>
+              <a:rPr dirty="0"/>
+              <a:t> Data </a:t>
+            </a:r>
+            <a:r>
+              <a:rPr lang="fr-FR" dirty="0"/>
+              <a:t>Handling</a:t>
+            </a:r>
+            <a:endParaRPr dirty="0"/>
           </a:p>
         </p:txBody>
       </p:sp>
